--- a/docs/songs/every praise.pptx
+++ b/docs/songs/every praise.pptx
@@ -307,7 +307,7 @@
             <a:fld id="{26EA1CF3-4A15-4CBF-9A5A-6A56C368BE71}" type="datetimeFigureOut">
               <a:rPr lang="en-GB" smtClean="0"/>
               <a:pPr/>
-              <a:t>03/10/2022</a:t>
+              <a:t>08/11/2024</a:t>
             </a:fld>
             <a:endParaRPr lang="en-GB"/>
           </a:p>
@@ -474,7 +474,7 @@
             <a:fld id="{26EA1CF3-4A15-4CBF-9A5A-6A56C368BE71}" type="datetimeFigureOut">
               <a:rPr lang="en-GB" smtClean="0"/>
               <a:pPr/>
-              <a:t>03/10/2022</a:t>
+              <a:t>08/11/2024</a:t>
             </a:fld>
             <a:endParaRPr lang="en-GB"/>
           </a:p>
@@ -651,7 +651,7 @@
             <a:fld id="{26EA1CF3-4A15-4CBF-9A5A-6A56C368BE71}" type="datetimeFigureOut">
               <a:rPr lang="en-GB" smtClean="0"/>
               <a:pPr/>
-              <a:t>03/10/2022</a:t>
+              <a:t>08/11/2024</a:t>
             </a:fld>
             <a:endParaRPr lang="en-GB"/>
           </a:p>
@@ -818,7 +818,7 @@
             <a:fld id="{26EA1CF3-4A15-4CBF-9A5A-6A56C368BE71}" type="datetimeFigureOut">
               <a:rPr lang="en-GB" smtClean="0"/>
               <a:pPr/>
-              <a:t>03/10/2022</a:t>
+              <a:t>08/11/2024</a:t>
             </a:fld>
             <a:endParaRPr lang="en-GB"/>
           </a:p>
@@ -1061,7 +1061,7 @@
             <a:fld id="{26EA1CF3-4A15-4CBF-9A5A-6A56C368BE71}" type="datetimeFigureOut">
               <a:rPr lang="en-GB" smtClean="0"/>
               <a:pPr/>
-              <a:t>03/10/2022</a:t>
+              <a:t>08/11/2024</a:t>
             </a:fld>
             <a:endParaRPr lang="en-GB"/>
           </a:p>
@@ -1346,7 +1346,7 @@
             <a:fld id="{26EA1CF3-4A15-4CBF-9A5A-6A56C368BE71}" type="datetimeFigureOut">
               <a:rPr lang="en-GB" smtClean="0"/>
               <a:pPr/>
-              <a:t>03/10/2022</a:t>
+              <a:t>08/11/2024</a:t>
             </a:fld>
             <a:endParaRPr lang="en-GB"/>
           </a:p>
@@ -1765,7 +1765,7 @@
             <a:fld id="{26EA1CF3-4A15-4CBF-9A5A-6A56C368BE71}" type="datetimeFigureOut">
               <a:rPr lang="en-GB" smtClean="0"/>
               <a:pPr/>
-              <a:t>03/10/2022</a:t>
+              <a:t>08/11/2024</a:t>
             </a:fld>
             <a:endParaRPr lang="en-GB"/>
           </a:p>
@@ -1880,7 +1880,7 @@
             <a:fld id="{26EA1CF3-4A15-4CBF-9A5A-6A56C368BE71}" type="datetimeFigureOut">
               <a:rPr lang="en-GB" smtClean="0"/>
               <a:pPr/>
-              <a:t>03/10/2022</a:t>
+              <a:t>08/11/2024</a:t>
             </a:fld>
             <a:endParaRPr lang="en-GB"/>
           </a:p>
@@ -1972,7 +1972,7 @@
             <a:fld id="{26EA1CF3-4A15-4CBF-9A5A-6A56C368BE71}" type="datetimeFigureOut">
               <a:rPr lang="en-GB" smtClean="0"/>
               <a:pPr/>
-              <a:t>03/10/2022</a:t>
+              <a:t>08/11/2024</a:t>
             </a:fld>
             <a:endParaRPr lang="en-GB"/>
           </a:p>
@@ -2246,7 +2246,7 @@
             <a:fld id="{26EA1CF3-4A15-4CBF-9A5A-6A56C368BE71}" type="datetimeFigureOut">
               <a:rPr lang="en-GB" smtClean="0"/>
               <a:pPr/>
-              <a:t>03/10/2022</a:t>
+              <a:t>08/11/2024</a:t>
             </a:fld>
             <a:endParaRPr lang="en-GB"/>
           </a:p>
@@ -2496,7 +2496,7 @@
             <a:fld id="{26EA1CF3-4A15-4CBF-9A5A-6A56C368BE71}" type="datetimeFigureOut">
               <a:rPr lang="en-GB" smtClean="0"/>
               <a:pPr/>
-              <a:t>03/10/2022</a:t>
+              <a:t>08/11/2024</a:t>
             </a:fld>
             <a:endParaRPr lang="en-GB"/>
           </a:p>
@@ -2709,7 +2709,7 @@
             <a:fld id="{26EA1CF3-4A15-4CBF-9A5A-6A56C368BE71}" type="datetimeFigureOut">
               <a:rPr lang="en-GB" smtClean="0"/>
               <a:pPr/>
-              <a:t>03/10/2022</a:t>
+              <a:t>08/11/2024</a:t>
             </a:fld>
             <a:endParaRPr lang="en-GB"/>
           </a:p>
@@ -3318,7 +3318,7 @@
         </p:nvSpPr>
         <p:spPr>
           <a:xfrm>
-            <a:off x="179512" y="116632"/>
+            <a:off x="59102" y="764704"/>
             <a:ext cx="8784976" cy="6552728"/>
           </a:xfrm>
         </p:spPr>
@@ -3329,7 +3329,7 @@
           <a:lstStyle/>
           <a:p>
             <a:r>
-              <a:rPr lang="en-GB" sz="4400" dirty="0">
+              <a:rPr lang="en-GB" sz="3600" dirty="0">
                 <a:solidFill>
                   <a:schemeClr val="bg1"/>
                 </a:solidFill>
@@ -3339,7 +3339,7 @@
           </a:p>
           <a:p>
             <a:r>
-              <a:rPr lang="en-GB" sz="4400" dirty="0">
+              <a:rPr lang="en-GB" sz="3600" dirty="0">
                 <a:solidFill>
                   <a:schemeClr val="bg1"/>
                 </a:solidFill>
@@ -3349,7 +3349,7 @@
           </a:p>
           <a:p>
             <a:r>
-              <a:rPr lang="en-GB" sz="4400" dirty="0">
+              <a:rPr lang="en-GB" sz="3600" dirty="0">
                 <a:solidFill>
                   <a:schemeClr val="bg1"/>
                 </a:solidFill>
@@ -3359,7 +3359,7 @@
           </a:p>
           <a:p>
             <a:r>
-              <a:rPr lang="en-GB" sz="4400" dirty="0">
+              <a:rPr lang="en-GB" sz="3600" dirty="0">
                 <a:solidFill>
                   <a:schemeClr val="bg1"/>
                 </a:solidFill>
@@ -3369,7 +3369,7 @@
           </a:p>
           <a:p>
             <a:r>
-              <a:rPr lang="en-GB" sz="4400" dirty="0">
+              <a:rPr lang="en-GB" sz="3600" dirty="0">
                 <a:solidFill>
                   <a:schemeClr val="bg1"/>
                 </a:solidFill>
@@ -3379,7 +3379,7 @@
           </a:p>
           <a:p>
             <a:r>
-              <a:rPr lang="en-GB" sz="4400" dirty="0">
+              <a:rPr lang="en-GB" sz="3600" dirty="0">
                 <a:solidFill>
                   <a:schemeClr val="bg1"/>
                 </a:solidFill>
@@ -3464,7 +3464,7 @@
         </p:nvSpPr>
         <p:spPr>
           <a:xfrm>
-            <a:off x="179512" y="116632"/>
+            <a:off x="78004" y="764704"/>
             <a:ext cx="8784976" cy="6552728"/>
           </a:xfrm>
         </p:spPr>
@@ -3475,7 +3475,7 @@
           <a:lstStyle/>
           <a:p>
             <a:r>
-              <a:rPr lang="en-GB" sz="4400" dirty="0">
+              <a:rPr lang="en-GB" sz="3600" dirty="0">
                 <a:solidFill>
                   <a:schemeClr val="bg1"/>
                 </a:solidFill>
@@ -3485,7 +3485,7 @@
           </a:p>
           <a:p>
             <a:r>
-              <a:rPr lang="en-GB" sz="4400" dirty="0">
+              <a:rPr lang="en-GB" sz="3600" dirty="0">
                 <a:solidFill>
                   <a:schemeClr val="bg1"/>
                 </a:solidFill>
@@ -3495,7 +3495,7 @@
           </a:p>
           <a:p>
             <a:r>
-              <a:rPr lang="en-GB" sz="4400" dirty="0">
+              <a:rPr lang="en-GB" sz="3600" dirty="0">
                 <a:solidFill>
                   <a:schemeClr val="bg1"/>
                 </a:solidFill>
@@ -3505,7 +3505,7 @@
           </a:p>
           <a:p>
             <a:r>
-              <a:rPr lang="en-GB" sz="4400" dirty="0">
+              <a:rPr lang="en-GB" sz="3600" dirty="0">
                 <a:solidFill>
                   <a:schemeClr val="bg1"/>
                 </a:solidFill>
@@ -3515,7 +3515,7 @@
           </a:p>
           <a:p>
             <a:r>
-              <a:rPr lang="en-GB" sz="4400" dirty="0">
+              <a:rPr lang="en-GB" sz="3600" dirty="0">
                 <a:solidFill>
                   <a:schemeClr val="bg1"/>
                 </a:solidFill>
